--- a/Presentation/AiOps With LLM - POV.pptx
+++ b/Presentation/AiOps With LLM - POV.pptx
@@ -718,6 +718,34 @@
           <a:bodyPr/>
           <a:lstStyle/>
           <a:p>
+            <a:r>
+              <a:rPr lang="en-US" sz="1800" b="0" i="0" dirty="0">
+                <a:solidFill>
+                  <a:srgbClr val="343741"/>
+                </a:solidFill>
+                <a:effectLst/>
+                <a:latin typeface="Inter"/>
+              </a:rPr>
+              <a:t>AIOps can help reduce downtime and improve performance even further by using machine learning (ML) techniques to process and analyze large amounts of observability data to identify potential issues before they can cause disruptions. AIOps can also provide data-driven insights and </a:t>
+            </a:r>
+            <a:r>
+              <a:rPr lang="en-US" sz="1800" b="1" i="0" u="sng" dirty="0">
+                <a:effectLst/>
+                <a:latin typeface="Inter"/>
+                <a:hlinkClick r:id="rId3"/>
+              </a:rPr>
+              <a:t>predictive analytics</a:t>
+            </a:r>
+            <a:r>
+              <a:rPr lang="en-US" sz="1800" b="0" i="0" dirty="0">
+                <a:solidFill>
+                  <a:srgbClr val="343741"/>
+                </a:solidFill>
+                <a:effectLst/>
+                <a:latin typeface="Inter"/>
+              </a:rPr>
+              <a:t> to help organizations make more informed decisions about how to manage applications and infrastructure to optimize operations and maximize resources.</a:t>
+            </a:r>
             <a:endParaRPr lang="en-US" dirty="0"/>
           </a:p>
         </p:txBody>
@@ -802,6 +830,56 @@
           <a:bodyPr/>
           <a:lstStyle/>
           <a:p>
+            <a:pPr marL="0" marR="0" lvl="0" indent="0" algn="l" defTabSz="914400" rtl="0" eaLnBrk="1" fontAlgn="auto" latinLnBrk="0" hangingPunct="1">
+              <a:lnSpc>
+                <a:spcPct val="100000"/>
+              </a:lnSpc>
+              <a:spcBef>
+                <a:spcPts val="0"/>
+              </a:spcBef>
+              <a:spcAft>
+                <a:spcPts val="0"/>
+              </a:spcAft>
+              <a:buClrTx/>
+              <a:buSzTx/>
+              <a:buFontTx/>
+              <a:buNone/>
+              <a:tabLst/>
+              <a:defRPr/>
+            </a:pPr>
+            <a:r>
+              <a:rPr lang="en-US" b="0" i="0" dirty="0">
+                <a:solidFill>
+                  <a:srgbClr val="111111"/>
+                </a:solidFill>
+                <a:effectLst/>
+                <a:latin typeface="Roboto" panose="02000000000000000000" pitchFamily="2" charset="0"/>
+              </a:rPr>
+              <a:t>AIOps, using algorithms and machine learning, supports observability by </a:t>
+            </a:r>
+            <a:r>
+              <a:rPr lang="en-US" b="1" i="0" dirty="0">
+                <a:solidFill>
+                  <a:srgbClr val="111111"/>
+                </a:solidFill>
+                <a:effectLst/>
+                <a:latin typeface="Roboto" panose="02000000000000000000" pitchFamily="2" charset="0"/>
+              </a:rPr>
+              <a:t>processing system data, identifying irregularities, and facilitating automated responses</a:t>
+            </a:r>
+            <a:r>
+              <a:rPr lang="en-US" b="0" i="0" dirty="0">
+                <a:solidFill>
+                  <a:srgbClr val="111111"/>
+                </a:solidFill>
+                <a:effectLst/>
+                <a:latin typeface="Roboto" panose="02000000000000000000" pitchFamily="2" charset="0"/>
+              </a:rPr>
+              <a:t>. This level of observability offers IT teams an improved view of system performance and potential issues.</a:t>
+            </a:r>
+            <a:endParaRPr lang="en-US" dirty="0"/>
+          </a:p>
+          <a:p>
             <a:endParaRPr lang="en-US" dirty="0"/>
           </a:p>
         </p:txBody>
@@ -886,7 +964,23 @@
           <a:bodyPr/>
           <a:lstStyle/>
           <a:p>
+            <a:r>
+              <a:rPr lang="en-US" dirty="0"/>
+              <a:t>POV – Small use case – not going into predictive analysis, but a small subset of actions which support teams take, resubmission logic based on exceptions found, and inform business.</a:t>
+            </a:r>
+          </a:p>
+          <a:p>
             <a:endParaRPr lang="en-US" dirty="0"/>
+          </a:p>
+          <a:p>
+            <a:r>
+              <a:rPr lang="en-US" b="1" dirty="0"/>
+              <a:t>After Demo: </a:t>
+            </a:r>
+            <a:r>
+              <a:rPr lang="en-US" dirty="0"/>
+              <a:t>Similar Design can be used for getting the root cause through VM metrics, session logs and other traces and if it can be used in a chunked data architecture, may even provide the required predictive analysis, provided all the multiple sources of data can be collated and processed by LLM’s in a single “conversation” with the required context.</a:t>
+            </a:r>
           </a:p>
         </p:txBody>
       </p:sp>
@@ -997,8 +1091,32 @@
             </a:r>
             <a:r>
               <a:rPr lang="en-US" dirty="0"/>
-              <a:t> provides both the data from the exceptions as well as prompts which have details on the actions to be taken. </a:t>
+              <a:t> provides both the data from the exceptions as well as prompts which have details on the actions to be taken</a:t>
             </a:r>
+            <a:r>
+              <a:rPr lang="en-US"/>
+              <a:t>. </a:t>
+            </a:r>
+          </a:p>
+          <a:p>
+            <a:pPr marL="0" marR="0" lvl="0" indent="0" algn="l" defTabSz="914400" rtl="0" eaLnBrk="1" fontAlgn="auto" latinLnBrk="0" hangingPunct="1">
+              <a:lnSpc>
+                <a:spcPct val="100000"/>
+              </a:lnSpc>
+              <a:spcBef>
+                <a:spcPts val="0"/>
+              </a:spcBef>
+              <a:spcAft>
+                <a:spcPts val="0"/>
+              </a:spcAft>
+              <a:buClrTx/>
+              <a:buSzTx/>
+              <a:buFontTx/>
+              <a:buNone/>
+              <a:tabLst/>
+              <a:defRPr/>
+            </a:pPr>
+            <a:endParaRPr lang="en-US" dirty="0"/>
           </a:p>
           <a:p>
             <a:pPr marL="0" marR="0" lvl="0" indent="0" algn="l" defTabSz="914400" rtl="0" eaLnBrk="1" fontAlgn="auto" latinLnBrk="0" hangingPunct="1">
@@ -1020,7 +1138,7 @@
             </a:pPr>
             <a:r>
               <a:rPr lang="en-US" dirty="0"/>
-              <a:t>BP further goes ahead and acts has the hands and feet for the LLM to take actions based on the response obtained, these can be as simple as programmatic retries and restarts or can be further developed based on the capabilities of the LLM.</a:t>
+              <a:t>BP further goes ahead, and acts has the hands and feet for the LLM to take actions based on the response obtained, these can be as simple as programmatic retries and restarts or can be further developed based on the capabilities of the LLM.</a:t>
             </a:r>
           </a:p>
           <a:p>
@@ -1063,8 +1181,28 @@
             </a:pPr>
             <a:r>
               <a:rPr lang="en-US" dirty="0"/>
-              <a:t>All in all we can see that it provides a significant boost to automating the task of support functions.</a:t>
+              <a:t>All in all we can see that it provides a significant boost to automating the task of support functions and reduces the technical  barriers to implement AI Ops systems.</a:t>
             </a:r>
+          </a:p>
+          <a:p>
+            <a:pPr marL="0" marR="0" lvl="0" indent="0" algn="l" defTabSz="914400" rtl="0" eaLnBrk="1" fontAlgn="auto" latinLnBrk="0" hangingPunct="1">
+              <a:lnSpc>
+                <a:spcPct val="100000"/>
+              </a:lnSpc>
+              <a:spcBef>
+                <a:spcPts val="0"/>
+              </a:spcBef>
+              <a:spcAft>
+                <a:spcPts val="0"/>
+              </a:spcAft>
+              <a:buClrTx/>
+              <a:buSzTx/>
+              <a:buFontTx/>
+              <a:buNone/>
+              <a:tabLst/>
+              <a:defRPr/>
+            </a:pPr>
+            <a:endParaRPr lang="en-US" dirty="0"/>
           </a:p>
           <a:p>
             <a:pPr marL="0" marR="0" lvl="0" indent="0" algn="l" defTabSz="914400" rtl="0" eaLnBrk="1" fontAlgn="auto" latinLnBrk="0" hangingPunct="1">
@@ -1086,30 +1224,7 @@
             </a:pPr>
             <a:r>
               <a:rPr lang="en-US" dirty="0"/>
-              <a:t>It depends on the LLM being chosen too</a:t>
-            </a:r>
-          </a:p>
-          <a:p>
-            <a:pPr marL="0" marR="0" lvl="0" indent="0" algn="l" defTabSz="914400" rtl="0" eaLnBrk="1" fontAlgn="auto" latinLnBrk="0" hangingPunct="1">
-              <a:lnSpc>
-                <a:spcPct val="100000"/>
-              </a:lnSpc>
-              <a:spcBef>
-                <a:spcPts val="0"/>
-              </a:spcBef>
-              <a:spcAft>
-                <a:spcPts val="0"/>
-              </a:spcAft>
-              <a:buClrTx/>
-              <a:buSzTx/>
-              <a:buFontTx/>
-              <a:buNone/>
-              <a:tabLst/>
-              <a:defRPr/>
-            </a:pPr>
-            <a:r>
-              <a:rPr lang="en-US" dirty="0"/>
-              <a:t>Gemini e.g.</a:t>
+              <a:t>It depends on the capabilities of the LLM being chosen too, context Gemini e.g.</a:t>
             </a:r>
           </a:p>
           <a:p>
@@ -13050,7 +13165,7 @@
                 </a:solidFill>
                 <a:latin typeface="Söhne"/>
               </a:rPr>
-              <a:t>Automating BP Support activities – A POV</a:t>
+              <a:t>Automating Support functions– A POV</a:t>
             </a:r>
             <a:endParaRPr lang="en-US" sz="1800" dirty="0">
               <a:solidFill>
@@ -13459,56 +13574,387 @@
                 <a:ea typeface="+mj-ea"/>
                 <a:cs typeface="+mj-cs"/>
               </a:rPr>
-              <a:t>AI Ops</a:t>
+              <a:t>Observability</a:t>
+            </a:r>
+          </a:p>
+        </p:txBody>
+      </p:sp>
+      <p:sp>
+        <p:nvSpPr>
+          <p:cNvPr id="2" name="Oval 1">
+            <a:extLst>
+              <a:ext uri="{FF2B5EF4-FFF2-40B4-BE49-F238E27FC236}">
+                <a16:creationId xmlns:a16="http://schemas.microsoft.com/office/drawing/2014/main" id="{71F0C9A0-6479-CAC8-5D38-C7BDD0848D12}"/>
+              </a:ext>
+            </a:extLst>
+          </p:cNvPr>
+          <p:cNvSpPr/>
+          <p:nvPr/>
+        </p:nvSpPr>
+        <p:spPr>
+          <a:xfrm>
+            <a:off x="3606228" y="1514194"/>
+            <a:ext cx="4387065" cy="4274049"/>
+          </a:xfrm>
+          <a:prstGeom prst="ellipse">
+            <a:avLst/>
+          </a:prstGeom>
+          <a:solidFill>
+            <a:schemeClr val="accent1">
+              <a:alpha val="72000"/>
+            </a:schemeClr>
+          </a:solidFill>
+        </p:spPr>
+        <p:style>
+          <a:lnRef idx="2">
+            <a:schemeClr val="accent1">
+              <a:shade val="15000"/>
+            </a:schemeClr>
+          </a:lnRef>
+          <a:fillRef idx="1">
+            <a:schemeClr val="accent1"/>
+          </a:fillRef>
+          <a:effectRef idx="0">
+            <a:schemeClr val="accent1"/>
+          </a:effectRef>
+          <a:fontRef idx="minor">
+            <a:schemeClr val="lt1"/>
+          </a:fontRef>
+        </p:style>
+        <p:txBody>
+          <a:bodyPr rtlCol="0" anchor="ctr"/>
+          <a:lstStyle/>
+          <a:p>
+            <a:pPr algn="ctr"/>
+            <a:r>
+              <a:rPr lang="en-IN" sz="4000" dirty="0"/>
+              <a:t>Observability</a:t>
+            </a:r>
+          </a:p>
+        </p:txBody>
+      </p:sp>
+      <p:sp>
+        <p:nvSpPr>
+          <p:cNvPr id="3" name="Oval 2">
+            <a:extLst>
+              <a:ext uri="{FF2B5EF4-FFF2-40B4-BE49-F238E27FC236}">
+                <a16:creationId xmlns:a16="http://schemas.microsoft.com/office/drawing/2014/main" id="{EF54D56F-9F52-C3AD-AC6F-ACE55C16E472}"/>
+              </a:ext>
+            </a:extLst>
+          </p:cNvPr>
+          <p:cNvSpPr/>
+          <p:nvPr/>
+        </p:nvSpPr>
+        <p:spPr>
+          <a:xfrm>
+            <a:off x="6893960" y="1204567"/>
+            <a:ext cx="2404152" cy="2134534"/>
+          </a:xfrm>
+          <a:prstGeom prst="ellipse">
+            <a:avLst/>
+          </a:prstGeom>
+          <a:solidFill>
+            <a:schemeClr val="accent2">
+              <a:lumMod val="60000"/>
+              <a:lumOff val="40000"/>
+              <a:alpha val="96000"/>
+            </a:schemeClr>
+          </a:solidFill>
+        </p:spPr>
+        <p:style>
+          <a:lnRef idx="2">
+            <a:schemeClr val="accent1">
+              <a:shade val="15000"/>
+            </a:schemeClr>
+          </a:lnRef>
+          <a:fillRef idx="1">
+            <a:schemeClr val="accent1"/>
+          </a:fillRef>
+          <a:effectRef idx="0">
+            <a:schemeClr val="accent1"/>
+          </a:effectRef>
+          <a:fontRef idx="minor">
+            <a:schemeClr val="lt1"/>
+          </a:fontRef>
+        </p:style>
+        <p:txBody>
+          <a:bodyPr rtlCol="0" anchor="ctr"/>
+          <a:lstStyle/>
+          <a:p>
+            <a:pPr algn="ctr"/>
+            <a:r>
+              <a:rPr lang="en-IN" sz="2400" dirty="0">
+                <a:solidFill>
+                  <a:schemeClr val="bg1"/>
+                </a:solidFill>
+              </a:rPr>
+              <a:t>Logs</a:t>
+            </a:r>
+          </a:p>
+        </p:txBody>
+      </p:sp>
+      <p:sp>
+        <p:nvSpPr>
+          <p:cNvPr id="4" name="Oval 3">
+            <a:extLst>
+              <a:ext uri="{FF2B5EF4-FFF2-40B4-BE49-F238E27FC236}">
+                <a16:creationId xmlns:a16="http://schemas.microsoft.com/office/drawing/2014/main" id="{DDED9614-463B-66C0-3955-4262497E2290}"/>
+              </a:ext>
+            </a:extLst>
+          </p:cNvPr>
+          <p:cNvSpPr/>
+          <p:nvPr/>
+        </p:nvSpPr>
+        <p:spPr>
+          <a:xfrm>
+            <a:off x="2348320" y="1221343"/>
+            <a:ext cx="2404152" cy="2134534"/>
+          </a:xfrm>
+          <a:prstGeom prst="ellipse">
+            <a:avLst/>
+          </a:prstGeom>
+          <a:solidFill>
+            <a:schemeClr val="accent2">
+              <a:lumMod val="60000"/>
+              <a:lumOff val="40000"/>
+              <a:alpha val="96000"/>
+            </a:schemeClr>
+          </a:solidFill>
+        </p:spPr>
+        <p:style>
+          <a:lnRef idx="2">
+            <a:schemeClr val="accent1">
+              <a:shade val="15000"/>
+            </a:schemeClr>
+          </a:lnRef>
+          <a:fillRef idx="1">
+            <a:schemeClr val="accent1"/>
+          </a:fillRef>
+          <a:effectRef idx="0">
+            <a:schemeClr val="accent1"/>
+          </a:effectRef>
+          <a:fontRef idx="minor">
+            <a:schemeClr val="lt1"/>
+          </a:fontRef>
+        </p:style>
+        <p:txBody>
+          <a:bodyPr rtlCol="0" anchor="ctr"/>
+          <a:lstStyle/>
+          <a:p>
+            <a:pPr algn="ctr"/>
+            <a:r>
+              <a:rPr lang="en-IN" sz="2400" dirty="0">
+                <a:solidFill>
+                  <a:schemeClr val="bg1"/>
+                </a:solidFill>
+              </a:rPr>
+              <a:t>Metrics</a:t>
+            </a:r>
+          </a:p>
+        </p:txBody>
+      </p:sp>
+      <p:sp>
+        <p:nvSpPr>
+          <p:cNvPr id="5" name="Oval 4">
+            <a:extLst>
+              <a:ext uri="{FF2B5EF4-FFF2-40B4-BE49-F238E27FC236}">
+                <a16:creationId xmlns:a16="http://schemas.microsoft.com/office/drawing/2014/main" id="{979B814C-CF3F-C3E4-273C-993F1BD9705D}"/>
+              </a:ext>
+            </a:extLst>
+          </p:cNvPr>
+          <p:cNvSpPr/>
+          <p:nvPr/>
+        </p:nvSpPr>
+        <p:spPr>
+          <a:xfrm>
+            <a:off x="4597685" y="4586166"/>
+            <a:ext cx="2404152" cy="2134534"/>
+          </a:xfrm>
+          <a:prstGeom prst="ellipse">
+            <a:avLst/>
+          </a:prstGeom>
+          <a:solidFill>
+            <a:schemeClr val="accent2">
+              <a:lumMod val="60000"/>
+              <a:lumOff val="40000"/>
+              <a:alpha val="96000"/>
+            </a:schemeClr>
+          </a:solidFill>
+        </p:spPr>
+        <p:style>
+          <a:lnRef idx="2">
+            <a:schemeClr val="accent1">
+              <a:shade val="15000"/>
+            </a:schemeClr>
+          </a:lnRef>
+          <a:fillRef idx="1">
+            <a:schemeClr val="accent1"/>
+          </a:fillRef>
+          <a:effectRef idx="0">
+            <a:schemeClr val="accent1"/>
+          </a:effectRef>
+          <a:fontRef idx="minor">
+            <a:schemeClr val="lt1"/>
+          </a:fontRef>
+        </p:style>
+        <p:txBody>
+          <a:bodyPr rtlCol="0" anchor="ctr"/>
+          <a:lstStyle/>
+          <a:p>
+            <a:pPr algn="ctr"/>
+            <a:r>
+              <a:rPr lang="en-IN" sz="2400" dirty="0">
+                <a:solidFill>
+                  <a:schemeClr val="bg1"/>
+                </a:solidFill>
+              </a:rPr>
+              <a:t>Traces</a:t>
             </a:r>
           </a:p>
         </p:txBody>
       </p:sp>
       <p:pic>
         <p:nvPicPr>
-          <p:cNvPr id="1026" name="Picture 2">
-            <a:extLst>
-              <a:ext uri="{FF2B5EF4-FFF2-40B4-BE49-F238E27FC236}">
-                <a16:creationId xmlns:a16="http://schemas.microsoft.com/office/drawing/2014/main" id="{ADD93EA3-269F-5974-BE8E-4C44D69DD4B2}"/>
+          <p:cNvPr id="7" name="Graphic 6" descr="Radar Chart with solid fill">
+            <a:extLst>
+              <a:ext uri="{FF2B5EF4-FFF2-40B4-BE49-F238E27FC236}">
+                <a16:creationId xmlns:a16="http://schemas.microsoft.com/office/drawing/2014/main" id="{C230C480-6876-EA94-494C-3CD2226176EB}"/>
               </a:ext>
             </a:extLst>
           </p:cNvPr>
           <p:cNvPicPr>
-            <a:picLocks noChangeAspect="1" noChangeArrowheads="1"/>
+            <a:picLocks noChangeAspect="1"/>
           </p:cNvPicPr>
           <p:nvPr/>
         </p:nvPicPr>
         <p:blipFill>
           <a:blip r:embed="rId4">
             <a:extLst>
-              <a:ext uri="{28A0092B-C50C-407E-A947-70E740481C1C}">
-                <a14:useLocalDpi xmlns:a14="http://schemas.microsoft.com/office/drawing/2010/main" val="0"/>
+              <a:ext uri="{96DAC541-7B7A-43D3-8B79-37D633B846F1}">
+                <asvg:svgBlip xmlns:asvg="http://schemas.microsoft.com/office/drawing/2016/SVG/main" r:embed="rId5"/>
               </a:ext>
             </a:extLst>
           </a:blip>
-          <a:srcRect/>
           <a:stretch>
             <a:fillRect/>
           </a:stretch>
         </p:blipFill>
-        <p:spPr bwMode="auto">
+        <p:spPr>
           <a:xfrm>
-            <a:off x="0" y="2289638"/>
-            <a:ext cx="9124950" cy="3162300"/>
+            <a:off x="3093196" y="1336803"/>
+            <a:ext cx="914400" cy="914400"/>
           </a:xfrm>
           <a:prstGeom prst="rect">
             <a:avLst/>
           </a:prstGeom>
-          <a:noFill/>
-          <a:extLst>
-            <a:ext uri="{909E8E84-426E-40DD-AFC4-6F175D3DCCD1}">
-              <a14:hiddenFill xmlns:a14="http://schemas.microsoft.com/office/drawing/2010/main">
-                <a:solidFill>
-                  <a:srgbClr val="FFFFFF"/>
-                </a:solidFill>
-              </a14:hiddenFill>
-            </a:ext>
-          </a:extLst>
+        </p:spPr>
+      </p:pic>
+      <p:pic>
+        <p:nvPicPr>
+          <p:cNvPr id="10" name="Graphic 9" descr="Tree Stump outline">
+            <a:extLst>
+              <a:ext uri="{FF2B5EF4-FFF2-40B4-BE49-F238E27FC236}">
+                <a16:creationId xmlns:a16="http://schemas.microsoft.com/office/drawing/2014/main" id="{A1865123-2D4D-1B11-AF1D-AA778763C077}"/>
+              </a:ext>
+            </a:extLst>
+          </p:cNvPr>
+          <p:cNvPicPr>
+            <a:picLocks noChangeAspect="1"/>
+          </p:cNvPicPr>
+          <p:nvPr/>
+        </p:nvPicPr>
+        <p:blipFill>
+          <a:blip r:embed="rId6">
+            <a:extLst>
+              <a:ext uri="{96DAC541-7B7A-43D3-8B79-37D633B846F1}">
+                <asvg:svgBlip xmlns:asvg="http://schemas.microsoft.com/office/drawing/2016/SVG/main" r:embed="rId7"/>
+              </a:ext>
+            </a:extLst>
+          </a:blip>
+          <a:stretch>
+            <a:fillRect/>
+          </a:stretch>
+        </p:blipFill>
+        <p:spPr>
+          <a:xfrm>
+            <a:off x="7759664" y="1514194"/>
+            <a:ext cx="599036" cy="599036"/>
+          </a:xfrm>
+          <a:prstGeom prst="rect">
+            <a:avLst/>
+          </a:prstGeom>
+        </p:spPr>
+      </p:pic>
+      <p:pic>
+        <p:nvPicPr>
+          <p:cNvPr id="12" name="Graphic 11" descr="Handprint with solid fill">
+            <a:extLst>
+              <a:ext uri="{FF2B5EF4-FFF2-40B4-BE49-F238E27FC236}">
+                <a16:creationId xmlns:a16="http://schemas.microsoft.com/office/drawing/2014/main" id="{80D0D91C-8B53-F975-F50D-069C72CC6196}"/>
+              </a:ext>
+            </a:extLst>
+          </p:cNvPr>
+          <p:cNvPicPr>
+            <a:picLocks noChangeAspect="1"/>
+          </p:cNvPicPr>
+          <p:nvPr/>
+        </p:nvPicPr>
+        <p:blipFill>
+          <a:blip r:embed="rId8">
+            <a:extLst>
+              <a:ext uri="{96DAC541-7B7A-43D3-8B79-37D633B846F1}">
+                <asvg:svgBlip xmlns:asvg="http://schemas.microsoft.com/office/drawing/2016/SVG/main" r:embed="rId9"/>
+              </a:ext>
+            </a:extLst>
+          </a:blip>
+          <a:stretch>
+            <a:fillRect/>
+          </a:stretch>
+        </p:blipFill>
+        <p:spPr>
+          <a:xfrm>
+            <a:off x="5420940" y="4809450"/>
+            <a:ext cx="757640" cy="757640"/>
+          </a:xfrm>
+          <a:prstGeom prst="rect">
+            <a:avLst/>
+          </a:prstGeom>
+        </p:spPr>
+      </p:pic>
+      <p:pic>
+        <p:nvPicPr>
+          <p:cNvPr id="14" name="Graphic 13" descr="Eye Scan with solid fill">
+            <a:extLst>
+              <a:ext uri="{FF2B5EF4-FFF2-40B4-BE49-F238E27FC236}">
+                <a16:creationId xmlns:a16="http://schemas.microsoft.com/office/drawing/2014/main" id="{9652026A-9619-6741-5AAE-4099E956A6A4}"/>
+              </a:ext>
+            </a:extLst>
+          </p:cNvPr>
+          <p:cNvPicPr>
+            <a:picLocks noChangeAspect="1"/>
+          </p:cNvPicPr>
+          <p:nvPr/>
+        </p:nvPicPr>
+        <p:blipFill>
+          <a:blip r:embed="rId10">
+            <a:extLst>
+              <a:ext uri="{96DAC541-7B7A-43D3-8B79-37D633B846F1}">
+                <asvg:svgBlip xmlns:asvg="http://schemas.microsoft.com/office/drawing/2016/SVG/main" r:embed="rId11"/>
+              </a:ext>
+            </a:extLst>
+          </a:blip>
+          <a:stretch>
+            <a:fillRect/>
+          </a:stretch>
+        </p:blipFill>
+        <p:spPr>
+          <a:xfrm>
+            <a:off x="5366016" y="2617958"/>
+            <a:ext cx="914400" cy="914400"/>
+          </a:xfrm>
+          <a:prstGeom prst="rect">
+            <a:avLst/>
+          </a:prstGeom>
         </p:spPr>
       </p:pic>
     </p:spTree>
@@ -14989,7 +15435,7 @@
         </p:nvSpPr>
         <p:spPr>
           <a:xfrm>
-            <a:off x="6812797" y="3299495"/>
+            <a:off x="6501335" y="3705654"/>
             <a:ext cx="1889055" cy="646331"/>
           </a:xfrm>
           <a:prstGeom prst="rect">
@@ -15066,7 +15512,7 @@
         </p:nvSpPr>
         <p:spPr>
           <a:xfrm>
-            <a:off x="6215019" y="2315988"/>
+            <a:off x="6578366" y="2414133"/>
             <a:ext cx="2229595" cy="646331"/>
           </a:xfrm>
           <a:prstGeom prst="rect">
@@ -18049,6 +18495,15 @@
 </file>
 
 <file path=customXml/item2.xml><?xml version="1.0" encoding="utf-8"?>
+<?mso-contentType ?>
+<FormTemplates xmlns="http://schemas.microsoft.com/sharepoint/v3/contenttype/forms">
+  <Display>DocumentLibraryForm</Display>
+  <Edit>DocumentLibraryForm</Edit>
+  <New>DocumentLibraryForm</New>
+</FormTemplates>
+</file>
+
+<file path=customXml/item3.xml><?xml version="1.0" encoding="utf-8"?>
 <p:properties xmlns:p="http://schemas.microsoft.com/office/2006/metadata/properties" xmlns:xsi="http://www.w3.org/2001/XMLSchema-instance" xmlns:pc="http://schemas.microsoft.com/office/infopath/2007/PartnerControls">
   <documentManagement>
     <_ip_UnifiedCompliancePolicyUIAction xmlns="http://schemas.microsoft.com/sharepoint/v3" xsi:nil="true"/>
@@ -18065,15 +18520,6 @@
     <MediaServiceKeyPoints xmlns="71af3243-3dd4-4a8d-8c0d-dd76da1f02a5" xsi:nil="true"/>
   </documentManagement>
 </p:properties>
-</file>
-
-<file path=customXml/item3.xml><?xml version="1.0" encoding="utf-8"?>
-<?mso-contentType ?>
-<FormTemplates xmlns="http://schemas.microsoft.com/sharepoint/v3/contenttype/forms">
-  <Display>DocumentLibraryForm</Display>
-  <Edit>DocumentLibraryForm</Edit>
-  <New>DocumentLibraryForm</New>
-</FormTemplates>
 </file>
 
 <file path=customXml/itemProps1.xml><?xml version="1.0" encoding="utf-8"?>
@@ -18098,6 +18544,14 @@
 </file>
 
 <file path=customXml/itemProps2.xml><?xml version="1.0" encoding="utf-8"?>
+<ds:datastoreItem xmlns:ds="http://schemas.openxmlformats.org/officeDocument/2006/customXml" ds:itemID="{DF76BC85-9361-4044-951E-1D698143E543}">
+  <ds:schemaRefs>
+    <ds:schemaRef ds:uri="http://schemas.microsoft.com/sharepoint/v3/contenttype/forms"/>
+  </ds:schemaRefs>
+</ds:datastoreItem>
+</file>
+
+<file path=customXml/itemProps3.xml><?xml version="1.0" encoding="utf-8"?>
 <ds:datastoreItem xmlns:ds="http://schemas.openxmlformats.org/officeDocument/2006/customXml" ds:itemID="{CF128D9D-8887-4AE7-BD39-EBCD268E911A}">
   <ds:schemaRefs>
     <ds:schemaRef ds:uri="http://schemas.microsoft.com/office/2006/metadata/properties"/>
@@ -18109,14 +18563,6 @@
 </ds:datastoreItem>
 </file>
 
-<file path=customXml/itemProps3.xml><?xml version="1.0" encoding="utf-8"?>
-<ds:datastoreItem xmlns:ds="http://schemas.openxmlformats.org/officeDocument/2006/customXml" ds:itemID="{DF76BC85-9361-4044-951E-1D698143E543}">
-  <ds:schemaRefs>
-    <ds:schemaRef ds:uri="http://schemas.microsoft.com/sharepoint/v3/contenttype/forms"/>
-  </ds:schemaRefs>
-</ds:datastoreItem>
-</file>
-
 <file path=docMetadata/LabelInfo.xml><?xml version="1.0" encoding="utf-8"?>
 <clbl:labelList xmlns:clbl="http://schemas.microsoft.com/office/2020/mipLabelMetadata">
   <clbl:label id="{f42aa342-8706-4288-bd11-ebb85995028c}" enabled="1" method="Standard" siteId="{72f988bf-86f1-41af-91ab-2d7cd011db47}" contentBits="0" removed="0"/>
